--- a/Simply the Best [Automatisch gespeichert].pptx
+++ b/Simply the Best [Automatisch gespeichert].pptx
@@ -5041,13 +5041,21 @@
         </p:nvSpPr>
         <p:spPr>
           <a:xfrm>
-            <a:off x="3846000" y="189000"/>
-            <a:ext cx="4500000" cy="6480000"/>
+            <a:off x="2208000" y="-1593000"/>
+            <a:ext cx="7776000" cy="10044000"/>
           </a:xfrm>
           <a:prstGeom prst="rect">
             <a:avLst/>
           </a:prstGeom>
           <a:noFill/>
+          <a:ln>
+            <a:solidFill>
+              <a:schemeClr val="tx2">
+                <a:lumMod val="20000"/>
+                <a:lumOff val="80000"/>
+              </a:schemeClr>
+            </a:solidFill>
+          </a:ln>
         </p:spPr>
         <p:style>
           <a:lnRef idx="2">
